--- a/slides/09-ArrayExploration.pptx
+++ b/slides/09-ArrayExploration.pptx
@@ -112,6 +112,11 @@
       </a:defRPr>
     </a:lvl9pPr>
   </p:defaultTextStyle>
+  <p:extLst>
+    <p:ext uri="{EFAFB233-063F-42B5-8137-9DF3F51BA10A}">
+      <p15:sldGuideLst xmlns:p15="http://schemas.microsoft.com/office/powerpoint/2012/main"/>
+    </p:ext>
+  </p:extLst>
 </p:presentation>
 </file>
 
@@ -246,7 +251,7 @@
           <a:p>
             <a:fld id="{E708F866-9223-4B69-892D-DEBFDCF4BA40}" type="datetimeFigureOut">
               <a:rPr lang="en-US" smtClean="0"/>
-              <a:t>10/9/2023</a:t>
+              <a:t>10/20/2023</a:t>
             </a:fld>
             <a:endParaRPr lang="en-US"/>
           </a:p>
@@ -416,7 +421,7 @@
           <a:p>
             <a:fld id="{E708F866-9223-4B69-892D-DEBFDCF4BA40}" type="datetimeFigureOut">
               <a:rPr lang="en-US" smtClean="0"/>
-              <a:t>10/9/2023</a:t>
+              <a:t>10/20/2023</a:t>
             </a:fld>
             <a:endParaRPr lang="en-US"/>
           </a:p>
@@ -596,7 +601,7 @@
           <a:p>
             <a:fld id="{E708F866-9223-4B69-892D-DEBFDCF4BA40}" type="datetimeFigureOut">
               <a:rPr lang="en-US" smtClean="0"/>
-              <a:t>10/9/2023</a:t>
+              <a:t>10/20/2023</a:t>
             </a:fld>
             <a:endParaRPr lang="en-US"/>
           </a:p>
@@ -766,7 +771,7 @@
           <a:p>
             <a:fld id="{E708F866-9223-4B69-892D-DEBFDCF4BA40}" type="datetimeFigureOut">
               <a:rPr lang="en-US" smtClean="0"/>
-              <a:t>10/9/2023</a:t>
+              <a:t>10/20/2023</a:t>
             </a:fld>
             <a:endParaRPr lang="en-US"/>
           </a:p>
@@ -1012,7 +1017,7 @@
           <a:p>
             <a:fld id="{E708F866-9223-4B69-892D-DEBFDCF4BA40}" type="datetimeFigureOut">
               <a:rPr lang="en-US" smtClean="0"/>
-              <a:t>10/9/2023</a:t>
+              <a:t>10/20/2023</a:t>
             </a:fld>
             <a:endParaRPr lang="en-US"/>
           </a:p>
@@ -1244,7 +1249,7 @@
           <a:p>
             <a:fld id="{E708F866-9223-4B69-892D-DEBFDCF4BA40}" type="datetimeFigureOut">
               <a:rPr lang="en-US" smtClean="0"/>
-              <a:t>10/9/2023</a:t>
+              <a:t>10/20/2023</a:t>
             </a:fld>
             <a:endParaRPr lang="en-US"/>
           </a:p>
@@ -1611,7 +1616,7 @@
           <a:p>
             <a:fld id="{E708F866-9223-4B69-892D-DEBFDCF4BA40}" type="datetimeFigureOut">
               <a:rPr lang="en-US" smtClean="0"/>
-              <a:t>10/9/2023</a:t>
+              <a:t>10/20/2023</a:t>
             </a:fld>
             <a:endParaRPr lang="en-US"/>
           </a:p>
@@ -1729,7 +1734,7 @@
           <a:p>
             <a:fld id="{E708F866-9223-4B69-892D-DEBFDCF4BA40}" type="datetimeFigureOut">
               <a:rPr lang="en-US" smtClean="0"/>
-              <a:t>10/9/2023</a:t>
+              <a:t>10/20/2023</a:t>
             </a:fld>
             <a:endParaRPr lang="en-US"/>
           </a:p>
@@ -1824,7 +1829,7 @@
           <a:p>
             <a:fld id="{E708F866-9223-4B69-892D-DEBFDCF4BA40}" type="datetimeFigureOut">
               <a:rPr lang="en-US" smtClean="0"/>
-              <a:t>10/9/2023</a:t>
+              <a:t>10/20/2023</a:t>
             </a:fld>
             <a:endParaRPr lang="en-US"/>
           </a:p>
@@ -2101,7 +2106,7 @@
           <a:p>
             <a:fld id="{E708F866-9223-4B69-892D-DEBFDCF4BA40}" type="datetimeFigureOut">
               <a:rPr lang="en-US" smtClean="0"/>
-              <a:t>10/9/2023</a:t>
+              <a:t>10/20/2023</a:t>
             </a:fld>
             <a:endParaRPr lang="en-US"/>
           </a:p>
@@ -2354,7 +2359,7 @@
           <a:p>
             <a:fld id="{E708F866-9223-4B69-892D-DEBFDCF4BA40}" type="datetimeFigureOut">
               <a:rPr lang="en-US" smtClean="0"/>
-              <a:t>10/9/2023</a:t>
+              <a:t>10/20/2023</a:t>
             </a:fld>
             <a:endParaRPr lang="en-US"/>
           </a:p>
@@ -2567,7 +2572,7 @@
           <a:p>
             <a:fld id="{E708F866-9223-4B69-892D-DEBFDCF4BA40}" type="datetimeFigureOut">
               <a:rPr lang="en-US" smtClean="0"/>
-              <a:t>10/9/2023</a:t>
+              <a:t>10/20/2023</a:t>
             </a:fld>
             <a:endParaRPr lang="en-US"/>
           </a:p>
@@ -3759,6 +3764,10 @@
             </a:r>
           </a:p>
           <a:p>
+            <a:r>
+              <a:rPr lang="en-US" sz="2400" dirty="0" smtClean="0"/>
+              <a:t>    from the given position to the last element in the array.</a:t>
+            </a:r>
             <a:endParaRPr lang="en-US" sz="2400" dirty="0"/>
           </a:p>
           <a:p>
@@ -3786,6 +3795,10 @@
           </p:nvPr>
         </p:nvSpPr>
         <p:spPr>
+          <a:xfrm>
+            <a:off x="838200" y="1823055"/>
+            <a:ext cx="10515600" cy="4351338"/>
+          </a:xfrm>
           <a:solidFill>
             <a:schemeClr val="bg1"/>
           </a:solidFill>
@@ -4215,7 +4228,7 @@
         </p:nvCxnSpPr>
         <p:spPr>
           <a:xfrm>
-            <a:off x="7946238" y="2098791"/>
+            <a:off x="7946238" y="2253539"/>
             <a:ext cx="740900" cy="0"/>
           </a:xfrm>
           <a:prstGeom prst="line">
@@ -4277,6 +4290,303 @@
           </a:fontRef>
         </p:style>
       </p:cxnSp>
+      <p:sp>
+        <p:nvSpPr>
+          <p:cNvPr id="14" name="Rectangle 13"/>
+          <p:cNvSpPr/>
+          <p:nvPr/>
+        </p:nvSpPr>
+        <p:spPr>
+          <a:xfrm>
+            <a:off x="7382247" y="2377803"/>
+            <a:ext cx="4352778" cy="562707"/>
+          </a:xfrm>
+          <a:prstGeom prst="rect">
+            <a:avLst/>
+          </a:prstGeom>
+          <a:noFill/>
+        </p:spPr>
+        <p:style>
+          <a:lnRef idx="2">
+            <a:schemeClr val="accent1">
+              <a:shade val="50000"/>
+            </a:schemeClr>
+          </a:lnRef>
+          <a:fillRef idx="1">
+            <a:schemeClr val="accent1"/>
+          </a:fillRef>
+          <a:effectRef idx="0">
+            <a:schemeClr val="accent1"/>
+          </a:effectRef>
+          <a:fontRef idx="minor">
+            <a:schemeClr val="lt1"/>
+          </a:fontRef>
+        </p:style>
+        <p:txBody>
+          <a:bodyPr rtlCol="0" anchor="ctr"/>
+          <a:lstStyle/>
+          <a:p>
+            <a:r>
+              <a:rPr lang="en-US" dirty="0" smtClean="0">
+                <a:solidFill>
+                  <a:schemeClr val="tx1"/>
+                </a:solidFill>
+              </a:rPr>
+              <a:t>6          </a:t>
+            </a:r>
+            <a:r>
+              <a:rPr lang="en-US" dirty="0">
+                <a:solidFill>
+                  <a:schemeClr val="tx1"/>
+                </a:solidFill>
+              </a:rPr>
+              <a:t>2</a:t>
+            </a:r>
+            <a:r>
+              <a:rPr lang="en-US" dirty="0" smtClean="0">
+                <a:solidFill>
+                  <a:schemeClr val="tx1"/>
+                </a:solidFill>
+              </a:rPr>
+              <a:t>               23            10          1</a:t>
+            </a:r>
+            <a:endParaRPr lang="en-US" dirty="0">
+              <a:solidFill>
+                <a:schemeClr val="tx1"/>
+              </a:solidFill>
+            </a:endParaRPr>
+          </a:p>
+        </p:txBody>
+      </p:sp>
+      <p:cxnSp>
+        <p:nvCxnSpPr>
+          <p:cNvPr id="15" name="Straight Connector 14"/>
+          <p:cNvCxnSpPr/>
+          <p:nvPr/>
+        </p:nvCxnSpPr>
+        <p:spPr>
+          <a:xfrm flipH="1">
+            <a:off x="7894547" y="2377803"/>
+            <a:ext cx="14068" cy="576776"/>
+          </a:xfrm>
+          <a:prstGeom prst="line">
+            <a:avLst/>
+          </a:prstGeom>
+        </p:spPr>
+        <p:style>
+          <a:lnRef idx="1">
+            <a:schemeClr val="accent1"/>
+          </a:lnRef>
+          <a:fillRef idx="0">
+            <a:schemeClr val="accent1"/>
+          </a:fillRef>
+          <a:effectRef idx="0">
+            <a:schemeClr val="accent1"/>
+          </a:effectRef>
+          <a:fontRef idx="minor">
+            <a:schemeClr val="tx1"/>
+          </a:fontRef>
+        </p:style>
+      </p:cxnSp>
+      <p:cxnSp>
+        <p:nvCxnSpPr>
+          <p:cNvPr id="16" name="Straight Connector 15"/>
+          <p:cNvCxnSpPr/>
+          <p:nvPr/>
+        </p:nvCxnSpPr>
+        <p:spPr>
+          <a:xfrm flipH="1">
+            <a:off x="8701094" y="2377803"/>
+            <a:ext cx="14068" cy="576776"/>
+          </a:xfrm>
+          <a:prstGeom prst="line">
+            <a:avLst/>
+          </a:prstGeom>
+        </p:spPr>
+        <p:style>
+          <a:lnRef idx="1">
+            <a:schemeClr val="accent1"/>
+          </a:lnRef>
+          <a:fillRef idx="0">
+            <a:schemeClr val="accent1"/>
+          </a:fillRef>
+          <a:effectRef idx="0">
+            <a:schemeClr val="accent1"/>
+          </a:effectRef>
+          <a:fontRef idx="minor">
+            <a:schemeClr val="tx1"/>
+          </a:fontRef>
+        </p:style>
+      </p:cxnSp>
+      <p:cxnSp>
+        <p:nvCxnSpPr>
+          <p:cNvPr id="17" name="Straight Connector 16"/>
+          <p:cNvCxnSpPr/>
+          <p:nvPr/>
+        </p:nvCxnSpPr>
+        <p:spPr>
+          <a:xfrm flipH="1">
+            <a:off x="9507641" y="2377803"/>
+            <a:ext cx="14068" cy="576776"/>
+          </a:xfrm>
+          <a:prstGeom prst="line">
+            <a:avLst/>
+          </a:prstGeom>
+        </p:spPr>
+        <p:style>
+          <a:lnRef idx="1">
+            <a:schemeClr val="accent1"/>
+          </a:lnRef>
+          <a:fillRef idx="0">
+            <a:schemeClr val="accent1"/>
+          </a:fillRef>
+          <a:effectRef idx="0">
+            <a:schemeClr val="accent1"/>
+          </a:effectRef>
+          <a:fontRef idx="minor">
+            <a:schemeClr val="tx1"/>
+          </a:fontRef>
+        </p:style>
+      </p:cxnSp>
+      <p:cxnSp>
+        <p:nvCxnSpPr>
+          <p:cNvPr id="18" name="Straight Connector 17"/>
+          <p:cNvCxnSpPr/>
+          <p:nvPr/>
+        </p:nvCxnSpPr>
+        <p:spPr>
+          <a:xfrm flipH="1">
+            <a:off x="10314188" y="2377803"/>
+            <a:ext cx="14068" cy="576776"/>
+          </a:xfrm>
+          <a:prstGeom prst="line">
+            <a:avLst/>
+          </a:prstGeom>
+        </p:spPr>
+        <p:style>
+          <a:lnRef idx="1">
+            <a:schemeClr val="accent1"/>
+          </a:lnRef>
+          <a:fillRef idx="0">
+            <a:schemeClr val="accent1"/>
+          </a:fillRef>
+          <a:effectRef idx="0">
+            <a:schemeClr val="accent1"/>
+          </a:effectRef>
+          <a:fontRef idx="minor">
+            <a:schemeClr val="tx1"/>
+          </a:fontRef>
+        </p:style>
+      </p:cxnSp>
+      <p:cxnSp>
+        <p:nvCxnSpPr>
+          <p:cNvPr id="19" name="Straight Connector 18"/>
+          <p:cNvCxnSpPr/>
+          <p:nvPr/>
+        </p:nvCxnSpPr>
+        <p:spPr>
+          <a:xfrm flipH="1">
+            <a:off x="11120735" y="2377803"/>
+            <a:ext cx="14068" cy="576776"/>
+          </a:xfrm>
+          <a:prstGeom prst="line">
+            <a:avLst/>
+          </a:prstGeom>
+        </p:spPr>
+        <p:style>
+          <a:lnRef idx="1">
+            <a:schemeClr val="accent1"/>
+          </a:lnRef>
+          <a:fillRef idx="0">
+            <a:schemeClr val="accent1"/>
+          </a:fillRef>
+          <a:effectRef idx="0">
+            <a:schemeClr val="accent1"/>
+          </a:effectRef>
+          <a:fontRef idx="minor">
+            <a:schemeClr val="tx1"/>
+          </a:fontRef>
+        </p:style>
+      </p:cxnSp>
+      <p:sp>
+        <p:nvSpPr>
+          <p:cNvPr id="12" name="TextBox 11"/>
+          <p:cNvSpPr txBox="1"/>
+          <p:nvPr/>
+        </p:nvSpPr>
+        <p:spPr>
+          <a:xfrm>
+            <a:off x="9846436" y="3010486"/>
+            <a:ext cx="2434657" cy="461665"/>
+          </a:xfrm>
+          <a:prstGeom prst="rect">
+            <a:avLst/>
+          </a:prstGeom>
+          <a:noFill/>
+        </p:spPr>
+        <p:txBody>
+          <a:bodyPr wrap="square" rtlCol="0">
+            <a:spAutoFit/>
+          </a:bodyPr>
+          <a:lstStyle/>
+          <a:p>
+            <a:r>
+              <a:rPr lang="en-US" sz="2400" dirty="0" smtClean="0"/>
+              <a:t>Return value is 0</a:t>
+            </a:r>
+            <a:endParaRPr lang="en-US" sz="2400" dirty="0"/>
+          </a:p>
+        </p:txBody>
+      </p:sp>
+      <p:sp>
+        <p:nvSpPr>
+          <p:cNvPr id="21" name="Down Arrow 20"/>
+          <p:cNvSpPr/>
+          <p:nvPr/>
+        </p:nvSpPr>
+        <p:spPr>
+          <a:xfrm>
+            <a:off x="11735025" y="1825625"/>
+            <a:ext cx="384289" cy="523680"/>
+          </a:xfrm>
+          <a:prstGeom prst="downArrow">
+            <a:avLst/>
+          </a:prstGeom>
+          <a:noFill/>
+          <a:effectLst>
+            <a:glow rad="63500">
+              <a:schemeClr val="accent1">
+                <a:satMod val="175000"/>
+                <a:alpha val="40000"/>
+              </a:schemeClr>
+            </a:glow>
+          </a:effectLst>
+        </p:spPr>
+        <p:style>
+          <a:lnRef idx="2">
+            <a:schemeClr val="accent1">
+              <a:shade val="50000"/>
+            </a:schemeClr>
+          </a:lnRef>
+          <a:fillRef idx="1">
+            <a:schemeClr val="accent1"/>
+          </a:fillRef>
+          <a:effectRef idx="0">
+            <a:schemeClr val="accent1"/>
+          </a:effectRef>
+          <a:fontRef idx="minor">
+            <a:schemeClr val="lt1"/>
+          </a:fontRef>
+        </p:style>
+        <p:txBody>
+          <a:bodyPr rtlCol="0" anchor="ctr"/>
+          <a:lstStyle/>
+          <a:p>
+            <a:pPr algn="ctr"/>
+            <a:endParaRPr lang="en-US"/>
+          </a:p>
+        </p:txBody>
+      </p:sp>
     </p:spTree>
     <p:extLst>
       <p:ext uri="{BB962C8B-B14F-4D97-AF65-F5344CB8AC3E}">
@@ -4918,31 +5228,7 @@
                   <a:schemeClr val="tx1"/>
                 </a:solidFill>
               </a:rPr>
-              <a:t>6          </a:t>
-            </a:r>
-            <a:r>
-              <a:rPr lang="en-US" dirty="0" smtClean="0">
-                <a:solidFill>
-                  <a:schemeClr val="tx1"/>
-                </a:solidFill>
-              </a:rPr>
-              <a:t>2               </a:t>
-            </a:r>
-            <a:r>
-              <a:rPr lang="en-US" dirty="0" smtClean="0">
-                <a:solidFill>
-                  <a:schemeClr val="tx1"/>
-                </a:solidFill>
-              </a:rPr>
-              <a:t>2 </a:t>
-            </a:r>
-            <a:r>
-              <a:rPr lang="en-US" dirty="0" smtClean="0">
-                <a:solidFill>
-                  <a:schemeClr val="tx1"/>
-                </a:solidFill>
-              </a:rPr>
-              <a:t>3            10         1          </a:t>
+              <a:t>6          2               2 3            10         1          </a:t>
             </a:r>
             <a:endParaRPr lang="en-US" dirty="0">
               <a:solidFill>
@@ -5233,7 +5519,6 @@
               <a:rPr lang="en-US" sz="2400" dirty="0"/>
               <a:t>0</a:t>
             </a:r>
-            <a:endParaRPr lang="en-US" sz="2400" dirty="0"/>
           </a:p>
         </p:txBody>
       </p:sp>
@@ -5272,6 +5557,257 @@
           </a:fontRef>
         </p:style>
       </p:cxnSp>
+      <p:sp>
+        <p:nvSpPr>
+          <p:cNvPr id="16" name="Rectangle 15"/>
+          <p:cNvSpPr/>
+          <p:nvPr/>
+        </p:nvSpPr>
+        <p:spPr>
+          <a:xfrm>
+            <a:off x="7382247" y="2377803"/>
+            <a:ext cx="4352778" cy="562707"/>
+          </a:xfrm>
+          <a:prstGeom prst="rect">
+            <a:avLst/>
+          </a:prstGeom>
+          <a:noFill/>
+        </p:spPr>
+        <p:style>
+          <a:lnRef idx="2">
+            <a:schemeClr val="accent1">
+              <a:shade val="50000"/>
+            </a:schemeClr>
+          </a:lnRef>
+          <a:fillRef idx="1">
+            <a:schemeClr val="accent1"/>
+          </a:fillRef>
+          <a:effectRef idx="0">
+            <a:schemeClr val="accent1"/>
+          </a:effectRef>
+          <a:fontRef idx="minor">
+            <a:schemeClr val="lt1"/>
+          </a:fontRef>
+        </p:style>
+        <p:txBody>
+          <a:bodyPr rtlCol="0" anchor="ctr"/>
+          <a:lstStyle/>
+          <a:p>
+            <a:r>
+              <a:rPr lang="en-US" dirty="0" smtClean="0">
+                <a:solidFill>
+                  <a:schemeClr val="tx1"/>
+                </a:solidFill>
+              </a:rPr>
+              <a:t>6          0              2               23            10          1</a:t>
+            </a:r>
+            <a:endParaRPr lang="en-US" dirty="0">
+              <a:solidFill>
+                <a:schemeClr val="tx1"/>
+              </a:solidFill>
+            </a:endParaRPr>
+          </a:p>
+        </p:txBody>
+      </p:sp>
+      <p:cxnSp>
+        <p:nvCxnSpPr>
+          <p:cNvPr id="17" name="Straight Connector 16"/>
+          <p:cNvCxnSpPr/>
+          <p:nvPr/>
+        </p:nvCxnSpPr>
+        <p:spPr>
+          <a:xfrm flipH="1">
+            <a:off x="7894547" y="2377803"/>
+            <a:ext cx="14068" cy="576776"/>
+          </a:xfrm>
+          <a:prstGeom prst="line">
+            <a:avLst/>
+          </a:prstGeom>
+        </p:spPr>
+        <p:style>
+          <a:lnRef idx="1">
+            <a:schemeClr val="accent1"/>
+          </a:lnRef>
+          <a:fillRef idx="0">
+            <a:schemeClr val="accent1"/>
+          </a:fillRef>
+          <a:effectRef idx="0">
+            <a:schemeClr val="accent1"/>
+          </a:effectRef>
+          <a:fontRef idx="minor">
+            <a:schemeClr val="tx1"/>
+          </a:fontRef>
+        </p:style>
+      </p:cxnSp>
+      <p:cxnSp>
+        <p:nvCxnSpPr>
+          <p:cNvPr id="18" name="Straight Connector 17"/>
+          <p:cNvCxnSpPr/>
+          <p:nvPr/>
+        </p:nvCxnSpPr>
+        <p:spPr>
+          <a:xfrm flipH="1">
+            <a:off x="8701094" y="2377803"/>
+            <a:ext cx="14068" cy="576776"/>
+          </a:xfrm>
+          <a:prstGeom prst="line">
+            <a:avLst/>
+          </a:prstGeom>
+        </p:spPr>
+        <p:style>
+          <a:lnRef idx="1">
+            <a:schemeClr val="accent1"/>
+          </a:lnRef>
+          <a:fillRef idx="0">
+            <a:schemeClr val="accent1"/>
+          </a:fillRef>
+          <a:effectRef idx="0">
+            <a:schemeClr val="accent1"/>
+          </a:effectRef>
+          <a:fontRef idx="minor">
+            <a:schemeClr val="tx1"/>
+          </a:fontRef>
+        </p:style>
+      </p:cxnSp>
+      <p:cxnSp>
+        <p:nvCxnSpPr>
+          <p:cNvPr id="19" name="Straight Connector 18"/>
+          <p:cNvCxnSpPr/>
+          <p:nvPr/>
+        </p:nvCxnSpPr>
+        <p:spPr>
+          <a:xfrm flipH="1">
+            <a:off x="9507641" y="2377803"/>
+            <a:ext cx="14068" cy="576776"/>
+          </a:xfrm>
+          <a:prstGeom prst="line">
+            <a:avLst/>
+          </a:prstGeom>
+        </p:spPr>
+        <p:style>
+          <a:lnRef idx="1">
+            <a:schemeClr val="accent1"/>
+          </a:lnRef>
+          <a:fillRef idx="0">
+            <a:schemeClr val="accent1"/>
+          </a:fillRef>
+          <a:effectRef idx="0">
+            <a:schemeClr val="accent1"/>
+          </a:effectRef>
+          <a:fontRef idx="minor">
+            <a:schemeClr val="tx1"/>
+          </a:fontRef>
+        </p:style>
+      </p:cxnSp>
+      <p:cxnSp>
+        <p:nvCxnSpPr>
+          <p:cNvPr id="20" name="Straight Connector 19"/>
+          <p:cNvCxnSpPr/>
+          <p:nvPr/>
+        </p:nvCxnSpPr>
+        <p:spPr>
+          <a:xfrm flipH="1">
+            <a:off x="10314188" y="2377803"/>
+            <a:ext cx="14068" cy="576776"/>
+          </a:xfrm>
+          <a:prstGeom prst="line">
+            <a:avLst/>
+          </a:prstGeom>
+        </p:spPr>
+        <p:style>
+          <a:lnRef idx="1">
+            <a:schemeClr val="accent1"/>
+          </a:lnRef>
+          <a:fillRef idx="0">
+            <a:schemeClr val="accent1"/>
+          </a:fillRef>
+          <a:effectRef idx="0">
+            <a:schemeClr val="accent1"/>
+          </a:effectRef>
+          <a:fontRef idx="minor">
+            <a:schemeClr val="tx1"/>
+          </a:fontRef>
+        </p:style>
+      </p:cxnSp>
+      <p:cxnSp>
+        <p:nvCxnSpPr>
+          <p:cNvPr id="21" name="Straight Connector 20"/>
+          <p:cNvCxnSpPr/>
+          <p:nvPr/>
+        </p:nvCxnSpPr>
+        <p:spPr>
+          <a:xfrm flipH="1">
+            <a:off x="11120735" y="2377803"/>
+            <a:ext cx="14068" cy="576776"/>
+          </a:xfrm>
+          <a:prstGeom prst="line">
+            <a:avLst/>
+          </a:prstGeom>
+        </p:spPr>
+        <p:style>
+          <a:lnRef idx="1">
+            <a:schemeClr val="accent1"/>
+          </a:lnRef>
+          <a:fillRef idx="0">
+            <a:schemeClr val="accent1"/>
+          </a:fillRef>
+          <a:effectRef idx="0">
+            <a:schemeClr val="accent1"/>
+          </a:effectRef>
+          <a:fontRef idx="minor">
+            <a:schemeClr val="tx1"/>
+          </a:fontRef>
+        </p:style>
+      </p:cxnSp>
+      <p:sp>
+        <p:nvSpPr>
+          <p:cNvPr id="22" name="Down Arrow 21"/>
+          <p:cNvSpPr/>
+          <p:nvPr/>
+        </p:nvSpPr>
+        <p:spPr>
+          <a:xfrm>
+            <a:off x="11735025" y="1825625"/>
+            <a:ext cx="384289" cy="523680"/>
+          </a:xfrm>
+          <a:prstGeom prst="downArrow">
+            <a:avLst/>
+          </a:prstGeom>
+          <a:noFill/>
+          <a:effectLst>
+            <a:glow rad="63500">
+              <a:schemeClr val="accent1">
+                <a:satMod val="175000"/>
+                <a:alpha val="40000"/>
+              </a:schemeClr>
+            </a:glow>
+          </a:effectLst>
+        </p:spPr>
+        <p:style>
+          <a:lnRef idx="2">
+            <a:schemeClr val="accent1">
+              <a:shade val="50000"/>
+            </a:schemeClr>
+          </a:lnRef>
+          <a:fillRef idx="1">
+            <a:schemeClr val="accent1"/>
+          </a:fillRef>
+          <a:effectRef idx="0">
+            <a:schemeClr val="accent1"/>
+          </a:effectRef>
+          <a:fontRef idx="minor">
+            <a:schemeClr val="lt1"/>
+          </a:fontRef>
+        </p:style>
+        <p:txBody>
+          <a:bodyPr rtlCol="0" anchor="ctr"/>
+          <a:lstStyle/>
+          <a:p>
+            <a:pPr algn="ctr"/>
+            <a:endParaRPr lang="en-US"/>
+          </a:p>
+        </p:txBody>
+      </p:sp>
     </p:spTree>
     <p:extLst>
       <p:ext uri="{BB962C8B-B14F-4D97-AF65-F5344CB8AC3E}">
@@ -5697,7 +6233,7 @@
                 <a:latin typeface="Courier New" panose="02070309020205020404" pitchFamily="49" charset="0"/>
                 <a:cs typeface="Courier New" panose="02070309020205020404" pitchFamily="49" charset="0"/>
               </a:rPr>
-              <a:t>	changed=0;</a:t>
+              <a:t>	</a:t>
             </a:r>
             <a:br>
               <a:rPr lang="en-US" b="1" dirty="0" smtClean="0">
@@ -5863,7 +6399,7 @@
                 <a:latin typeface="Courier New" panose="02070309020205020404" pitchFamily="49" charset="0"/>
                 <a:cs typeface="Courier New" panose="02070309020205020404" pitchFamily="49" charset="0"/>
               </a:rPr>
-              <a:t>			changed=1;</a:t>
+              <a:t>			</a:t>
             </a:r>
             <a:br>
               <a:rPr lang="en-US" b="1" dirty="0" smtClean="0">
@@ -6200,7 +6736,27 @@
                 <a:latin typeface="Courier New" panose="02070309020205020404" pitchFamily="49" charset="0"/>
                 <a:cs typeface="Courier New" panose="02070309020205020404" pitchFamily="49" charset="0"/>
               </a:rPr>
-              <a:t>	changed=0;</a:t>
+              <a:t>	</a:t>
+            </a:r>
+            <a:r>
+              <a:rPr lang="en-US" b="1" dirty="0" smtClean="0">
+                <a:solidFill>
+                  <a:schemeClr val="accent2"/>
+                </a:solidFill>
+                <a:latin typeface="Courier New" panose="02070309020205020404" pitchFamily="49" charset="0"/>
+                <a:cs typeface="Courier New" panose="02070309020205020404" pitchFamily="49" charset="0"/>
+              </a:rPr>
+              <a:t>changed=0;</a:t>
+            </a:r>
+            <a:r>
+              <a:rPr lang="en-US" b="1" dirty="0" smtClean="0">
+                <a:solidFill>
+                  <a:schemeClr val="accent1"/>
+                </a:solidFill>
+                <a:latin typeface="Courier New" panose="02070309020205020404" pitchFamily="49" charset="0"/>
+                <a:cs typeface="Courier New" panose="02070309020205020404" pitchFamily="49" charset="0"/>
+              </a:rPr>
+              <a:t/>
             </a:r>
             <a:br>
               <a:rPr lang="en-US" b="1" dirty="0" smtClean="0">
@@ -6366,7 +6922,27 @@
                 <a:latin typeface="Courier New" panose="02070309020205020404" pitchFamily="49" charset="0"/>
                 <a:cs typeface="Courier New" panose="02070309020205020404" pitchFamily="49" charset="0"/>
               </a:rPr>
-              <a:t>			changed=1;</a:t>
+              <a:t>			</a:t>
+            </a:r>
+            <a:r>
+              <a:rPr lang="en-US" b="1" dirty="0" smtClean="0">
+                <a:solidFill>
+                  <a:schemeClr val="accent2"/>
+                </a:solidFill>
+                <a:latin typeface="Courier New" panose="02070309020205020404" pitchFamily="49" charset="0"/>
+                <a:cs typeface="Courier New" panose="02070309020205020404" pitchFamily="49" charset="0"/>
+              </a:rPr>
+              <a:t>changed=1;</a:t>
+            </a:r>
+            <a:r>
+              <a:rPr lang="en-US" b="1" dirty="0" smtClean="0">
+                <a:solidFill>
+                  <a:schemeClr val="accent1"/>
+                </a:solidFill>
+                <a:latin typeface="Courier New" panose="02070309020205020404" pitchFamily="49" charset="0"/>
+                <a:cs typeface="Courier New" panose="02070309020205020404" pitchFamily="49" charset="0"/>
+              </a:rPr>
+              <a:t/>
             </a:r>
             <a:br>
               <a:rPr lang="en-US" b="1" dirty="0" smtClean="0">
@@ -6847,15 +7423,7 @@
             </a:r>
             <a:r>
               <a:rPr lang="en-US" sz="2400" dirty="0" smtClean="0"/>
-              <a:t> . We can create interesting examples just by </a:t>
-            </a:r>
-            <a:r>
-              <a:rPr lang="en-US" sz="2400" dirty="0" err="1" smtClean="0"/>
-              <a:t>canging</a:t>
-            </a:r>
-            <a:r>
-              <a:rPr lang="en-US" sz="2400" dirty="0" smtClean="0"/>
-              <a:t> what out of order means, in fact we can even sort an array!</a:t>
+              <a:t> . We can create interesting examples just by changing what out of order means, in fact we can even sort an array!</a:t>
             </a:r>
             <a:endParaRPr lang="en-US" sz="2400" dirty="0"/>
           </a:p>
@@ -7499,23 +8067,7 @@
                   <a:schemeClr val="tx1"/>
                 </a:solidFill>
               </a:rPr>
-              <a:t>          5              </a:t>
-            </a:r>
-            <a:r>
-              <a:rPr lang="en-US" dirty="0" smtClean="0">
-                <a:solidFill>
-                  <a:schemeClr val="tx1"/>
-                </a:solidFill>
-              </a:rPr>
-              <a:t>2 </a:t>
-            </a:r>
-            <a:r>
-              <a:rPr lang="en-US" dirty="0" smtClean="0">
-                <a:solidFill>
-                  <a:schemeClr val="tx1"/>
-                </a:solidFill>
-              </a:rPr>
-              <a:t>3          35        4 1          55</a:t>
+              <a:t>          5              2 3          35        4 1          55</a:t>
             </a:r>
             <a:endParaRPr lang="en-US" dirty="0">
               <a:solidFill>
@@ -7783,15 +8335,7 @@
                   <a:schemeClr val="tx1"/>
                 </a:solidFill>
               </a:rPr>
-              <a:t>2</a:t>
-            </a:r>
-            <a:r>
-              <a:rPr lang="en-US" dirty="0" smtClean="0">
-                <a:solidFill>
-                  <a:schemeClr val="tx1"/>
-                </a:solidFill>
-              </a:rPr>
-              <a:t>          3        5       7       13    20     23      30     35      41     55</a:t>
+              <a:t>2          3        5       7       13    20     23      30     35      41     55</a:t>
             </a:r>
             <a:endParaRPr lang="en-US" dirty="0">
               <a:solidFill>
@@ -9254,6 +9798,57 @@
           <a:chExt cx="0" cy="0"/>
         </a:xfrm>
       </p:grpSpPr>
+      <p:sp>
+        <p:nvSpPr>
+          <p:cNvPr id="2" name="TextBox 1"/>
+          <p:cNvSpPr txBox="1"/>
+          <p:nvPr/>
+        </p:nvSpPr>
+        <p:spPr>
+          <a:xfrm>
+            <a:off x="2250831" y="2672862"/>
+            <a:ext cx="5331655" cy="2246769"/>
+          </a:xfrm>
+          <a:prstGeom prst="rect">
+            <a:avLst/>
+          </a:prstGeom>
+          <a:noFill/>
+        </p:spPr>
+        <p:txBody>
+          <a:bodyPr wrap="square" rtlCol="0">
+            <a:spAutoFit/>
+          </a:bodyPr>
+          <a:lstStyle/>
+          <a:p>
+            <a:r>
+              <a:rPr lang="en-US" sz="2800" dirty="0" smtClean="0"/>
+              <a:t>For most applications we will need arrays in </a:t>
+            </a:r>
+            <a:r>
+              <a:rPr lang="en-US" sz="2800" smtClean="0"/>
+              <a:t>some </a:t>
+            </a:r>
+            <a:r>
+              <a:rPr lang="en-US" sz="2800" smtClean="0"/>
+              <a:t>form </a:t>
+            </a:r>
+            <a:r>
+              <a:rPr lang="en-US" sz="2800" dirty="0" smtClean="0"/>
+              <a:t>or the other.</a:t>
+            </a:r>
+          </a:p>
+          <a:p>
+            <a:endParaRPr lang="en-US" sz="2800" dirty="0" smtClean="0"/>
+          </a:p>
+          <a:p>
+            <a:r>
+              <a:rPr lang="en-US" sz="2800" dirty="0" smtClean="0"/>
+              <a:t>Please spend time to practice your array manipulation skills.</a:t>
+            </a:r>
+            <a:endParaRPr lang="en-US" sz="2800" dirty="0"/>
+          </a:p>
+        </p:txBody>
+      </p:sp>
     </p:spTree>
     <p:extLst>
       <p:ext uri="{BB962C8B-B14F-4D97-AF65-F5344CB8AC3E}">
@@ -9267,9 +9862,91 @@
   <p:timing>
     <p:tnLst>
       <p:par>
-        <p:cTn id="1" dur="indefinite" restart="never" nodeType="tmRoot"/>
+        <p:cTn id="1" dur="indefinite" restart="never" nodeType="tmRoot">
+          <p:childTnLst>
+            <p:seq concurrent="1" nextAc="seek">
+              <p:cTn id="2" dur="indefinite" nodeType="mainSeq">
+                <p:childTnLst>
+                  <p:par>
+                    <p:cTn id="3" fill="hold">
+                      <p:stCondLst>
+                        <p:cond delay="indefinite"/>
+                        <p:cond evt="onBegin" delay="0">
+                          <p:tn val="2"/>
+                        </p:cond>
+                      </p:stCondLst>
+                      <p:childTnLst>
+                        <p:par>
+                          <p:cTn id="4" fill="hold">
+                            <p:stCondLst>
+                              <p:cond delay="0"/>
+                            </p:stCondLst>
+                            <p:childTnLst>
+                              <p:par>
+                                <p:cTn id="5" presetID="10" presetClass="entr" presetSubtype="0" fill="hold" grpId="0" nodeType="withEffect">
+                                  <p:stCondLst>
+                                    <p:cond delay="1000"/>
+                                  </p:stCondLst>
+                                  <p:childTnLst>
+                                    <p:set>
+                                      <p:cBhvr>
+                                        <p:cTn id="6" dur="1" fill="hold">
+                                          <p:stCondLst>
+                                            <p:cond delay="0"/>
+                                          </p:stCondLst>
+                                        </p:cTn>
+                                        <p:tgtEl>
+                                          <p:spTgt spid="2"/>
+                                        </p:tgtEl>
+                                        <p:attrNameLst>
+                                          <p:attrName>style.visibility</p:attrName>
+                                        </p:attrNameLst>
+                                      </p:cBhvr>
+                                      <p:to>
+                                        <p:strVal val="visible"/>
+                                      </p:to>
+                                    </p:set>
+                                    <p:animEffect transition="in" filter="fade">
+                                      <p:cBhvr>
+                                        <p:cTn id="7" dur="2000"/>
+                                        <p:tgtEl>
+                                          <p:spTgt spid="2"/>
+                                        </p:tgtEl>
+                                      </p:cBhvr>
+                                    </p:animEffect>
+                                  </p:childTnLst>
+                                </p:cTn>
+                              </p:par>
+                            </p:childTnLst>
+                          </p:cTn>
+                        </p:par>
+                      </p:childTnLst>
+                    </p:cTn>
+                  </p:par>
+                </p:childTnLst>
+              </p:cTn>
+              <p:prevCondLst>
+                <p:cond evt="onPrev" delay="0">
+                  <p:tgtEl>
+                    <p:sldTgt/>
+                  </p:tgtEl>
+                </p:cond>
+              </p:prevCondLst>
+              <p:nextCondLst>
+                <p:cond evt="onNext" delay="0">
+                  <p:tgtEl>
+                    <p:sldTgt/>
+                  </p:tgtEl>
+                </p:cond>
+              </p:nextCondLst>
+            </p:seq>
+          </p:childTnLst>
+        </p:cTn>
       </p:par>
     </p:tnLst>
+    <p:bldLst>
+      <p:bldP spid="2" grpId="0"/>
+    </p:bldLst>
   </p:timing>
 </p:sld>
 </file>
